--- a/doc/Checkpoint.pptx
+++ b/doc/Checkpoint.pptx
@@ -201,7 +201,7 @@
           <a:p>
             <a:fld id="{3668E875-D6DC-4D0C-BB3E-87327DABDFF8}" type="datetimeFigureOut">
               <a:rPr lang="pt-PT" smtClean="0"/>
-              <a:t>08/03/2020</a:t>
+              <a:t>12/03/2020</a:t>
             </a:fld>
             <a:endParaRPr lang="pt-PT"/>
           </a:p>
@@ -699,7 +699,7 @@
           <a:p>
             <a:fld id="{EAB2E384-006C-444C-814C-2AB3E6365274}" type="datetimeFigureOut">
               <a:rPr lang="pt-PT" smtClean="0"/>
-              <a:t>08/03/2020</a:t>
+              <a:t>12/03/2020</a:t>
             </a:fld>
             <a:endParaRPr lang="pt-PT"/>
           </a:p>
@@ -897,7 +897,7 @@
           <a:p>
             <a:fld id="{EAB2E384-006C-444C-814C-2AB3E6365274}" type="datetimeFigureOut">
               <a:rPr lang="pt-PT" smtClean="0"/>
-              <a:t>08/03/2020</a:t>
+              <a:t>12/03/2020</a:t>
             </a:fld>
             <a:endParaRPr lang="pt-PT"/>
           </a:p>
@@ -1105,7 +1105,7 @@
           <a:p>
             <a:fld id="{EAB2E384-006C-444C-814C-2AB3E6365274}" type="datetimeFigureOut">
               <a:rPr lang="pt-PT" smtClean="0"/>
-              <a:t>08/03/2020</a:t>
+              <a:t>12/03/2020</a:t>
             </a:fld>
             <a:endParaRPr lang="pt-PT"/>
           </a:p>
@@ -1303,7 +1303,7 @@
           <a:p>
             <a:fld id="{EAB2E384-006C-444C-814C-2AB3E6365274}" type="datetimeFigureOut">
               <a:rPr lang="pt-PT" smtClean="0"/>
-              <a:t>08/03/2020</a:t>
+              <a:t>12/03/2020</a:t>
             </a:fld>
             <a:endParaRPr lang="pt-PT"/>
           </a:p>
@@ -1578,7 +1578,7 @@
           <a:p>
             <a:fld id="{EAB2E384-006C-444C-814C-2AB3E6365274}" type="datetimeFigureOut">
               <a:rPr lang="pt-PT" smtClean="0"/>
-              <a:t>08/03/2020</a:t>
+              <a:t>12/03/2020</a:t>
             </a:fld>
             <a:endParaRPr lang="pt-PT"/>
           </a:p>
@@ -1843,7 +1843,7 @@
           <a:p>
             <a:fld id="{EAB2E384-006C-444C-814C-2AB3E6365274}" type="datetimeFigureOut">
               <a:rPr lang="pt-PT" smtClean="0"/>
-              <a:t>08/03/2020</a:t>
+              <a:t>12/03/2020</a:t>
             </a:fld>
             <a:endParaRPr lang="pt-PT"/>
           </a:p>
@@ -2255,7 +2255,7 @@
           <a:p>
             <a:fld id="{EAB2E384-006C-444C-814C-2AB3E6365274}" type="datetimeFigureOut">
               <a:rPr lang="pt-PT" smtClean="0"/>
-              <a:t>08/03/2020</a:t>
+              <a:t>12/03/2020</a:t>
             </a:fld>
             <a:endParaRPr lang="pt-PT"/>
           </a:p>
@@ -2396,7 +2396,7 @@
           <a:p>
             <a:fld id="{EAB2E384-006C-444C-814C-2AB3E6365274}" type="datetimeFigureOut">
               <a:rPr lang="pt-PT" smtClean="0"/>
-              <a:t>08/03/2020</a:t>
+              <a:t>12/03/2020</a:t>
             </a:fld>
             <a:endParaRPr lang="pt-PT"/>
           </a:p>
@@ -2509,7 +2509,7 @@
           <a:p>
             <a:fld id="{EAB2E384-006C-444C-814C-2AB3E6365274}" type="datetimeFigureOut">
               <a:rPr lang="pt-PT" smtClean="0"/>
-              <a:t>08/03/2020</a:t>
+              <a:t>12/03/2020</a:t>
             </a:fld>
             <a:endParaRPr lang="pt-PT"/>
           </a:p>
@@ -2820,7 +2820,7 @@
           <a:p>
             <a:fld id="{EAB2E384-006C-444C-814C-2AB3E6365274}" type="datetimeFigureOut">
               <a:rPr lang="pt-PT" smtClean="0"/>
-              <a:t>08/03/2020</a:t>
+              <a:t>12/03/2020</a:t>
             </a:fld>
             <a:endParaRPr lang="pt-PT"/>
           </a:p>
@@ -3108,7 +3108,7 @@
           <a:p>
             <a:fld id="{EAB2E384-006C-444C-814C-2AB3E6365274}" type="datetimeFigureOut">
               <a:rPr lang="pt-PT" smtClean="0"/>
-              <a:t>08/03/2020</a:t>
+              <a:t>12/03/2020</a:t>
             </a:fld>
             <a:endParaRPr lang="pt-PT"/>
           </a:p>
@@ -3186,23 +3186,9 @@
   <p:cSld>
     <p:bg>
       <p:bgPr>
-        <a:gradFill flip="none" rotWithShape="1">
-          <a:gsLst>
-            <a:gs pos="100000">
-              <a:schemeClr val="bg1">
-                <a:lumMod val="95000"/>
-              </a:schemeClr>
-            </a:gs>
-            <a:gs pos="0">
-              <a:schemeClr val="accent3">
-                <a:lumMod val="45000"/>
-                <a:lumOff val="55000"/>
-              </a:schemeClr>
-            </a:gs>
-          </a:gsLst>
-          <a:lin ang="5400000" scaled="1"/>
-          <a:tileRect/>
-        </a:gradFill>
+        <a:solidFill>
+          <a:schemeClr val="bg1"/>
+        </a:solidFill>
         <a:effectLst/>
       </p:bgPr>
     </p:bg>
@@ -3366,7 +3352,7 @@
           <a:p>
             <a:fld id="{EAB2E384-006C-444C-814C-2AB3E6365274}" type="datetimeFigureOut">
               <a:rPr lang="pt-PT" smtClean="0"/>
-              <a:t>08/03/2020</a:t>
+              <a:t>12/03/2020</a:t>
             </a:fld>
             <a:endParaRPr lang="pt-PT"/>
           </a:p>
@@ -3850,7 +3836,7 @@
           <a:p>
             <a:r>
               <a:rPr lang="pt-PT" dirty="0"/>
-              <a:t>IART 2019/2020</a:t>
+              <a:t>Inteligência Artificial 2019/2020</a:t>
             </a:r>
           </a:p>
         </p:txBody>
@@ -3919,7 +3905,7 @@
         </p:blipFill>
         <p:spPr>
           <a:xfrm>
-            <a:off x="27353" y="28281"/>
+            <a:off x="55634" y="56562"/>
             <a:ext cx="2993293" cy="984461"/>
           </a:xfrm>
           <a:prstGeom prst="rect">
@@ -4024,21 +4010,21 @@
           <a:p>
             <a:r>
               <a:rPr lang="pt-PT" dirty="0"/>
-              <a:t>Este trabalho tem como objetivo a aplicação de vários métodos de pesquisa num jogo com adversário, começando pelo algoritmo </a:t>
+              <a:t>Este trabalho tem como objetivo a aplicação do algoritmo de pesquisa </a:t>
             </a:r>
             <a:r>
               <a:rPr lang="pt-PT" dirty="0" err="1"/>
-              <a:t>Minimax</a:t>
+              <a:t>MiniMax</a:t>
             </a:r>
             <a:r>
               <a:rPr lang="pt-PT" dirty="0"/>
-              <a:t>.</a:t>
+              <a:t> a um jogo com adversário.</a:t>
             </a:r>
           </a:p>
           <a:p>
             <a:r>
               <a:rPr lang="pt-PT" dirty="0"/>
-              <a:t>O jogo escolhido é chamado “Parquet” e trata-se de um simples jogo de tabuleiro cujo objetivo é conseguir colocar três peças no canto do adversário.</a:t>
+              <a:t>O jogo escolhido é chamado “Parquet” e trata-se de um simples jogo de tabuleiro cujo objetivo é conseguir colocar três peças no canto do tabuleiro do adversário.</a:t>
             </a:r>
           </a:p>
         </p:txBody>
@@ -4095,8 +4081,8 @@
         </p:nvSpPr>
         <p:spPr>
           <a:xfrm>
-            <a:off x="838200" y="3403078"/>
-            <a:ext cx="7483580" cy="3517768"/>
+            <a:off x="838200" y="3101417"/>
+            <a:ext cx="7483580" cy="3181276"/>
           </a:xfrm>
           <a:prstGeom prst="rect">
             <a:avLst/>
@@ -4621,13 +4607,13 @@
           <p:nvPr>
             <p:extLst>
               <p:ext uri="{D42A27DB-BD31-4B8C-83A1-F6EECF244321}">
-                <p14:modId xmlns:p14="http://schemas.microsoft.com/office/powerpoint/2010/main" val="4023619667"/>
+                <p14:modId xmlns:p14="http://schemas.microsoft.com/office/powerpoint/2010/main" val="1698900521"/>
               </p:ext>
             </p:extLst>
           </p:nvPr>
         </p:nvGraphicFramePr>
         <p:xfrm>
-          <a:off x="3225799" y="1443245"/>
+          <a:off x="3225799" y="1471526"/>
           <a:ext cx="2656530" cy="2194560"/>
         </p:xfrm>
         <a:graphic>
@@ -7319,7 +7305,7 @@
                   </a:extLst>
                 </a:hlinkClick>
               </a:rPr>
-              <a:t>https://www.geeksforgeeks.org/minimax-algorithm-in-game-theory-set-1-introduction/</a:t>
+              <a:t>https://github.com/LazoCoder/Tic-Tac-Toe/blob/master/TicTacToe/ArtificialIntelligence/MiniMax.java</a:t>
             </a:r>
             <a:endParaRPr lang="pt-PT" dirty="0"/>
           </a:p>
@@ -7334,9 +7320,15 @@
                   </a:extLst>
                 </a:hlinkClick>
               </a:rPr>
-              <a:t>https://www.baeldung.com/java-minimax-algorithm</a:t>
+              <a:t>https://docs.oracle.com/javase/tutorial/uiswing/</a:t>
             </a:r>
             <a:endParaRPr lang="pt-PT" dirty="0"/>
+          </a:p>
+          <a:p>
+            <a:endParaRPr lang="pt-PT" dirty="0"/>
+          </a:p>
+          <a:p>
+            <a:endParaRPr lang="pt-PT" u="sng" dirty="0"/>
           </a:p>
         </p:txBody>
       </p:sp>
@@ -7423,7 +7415,7 @@
         </p:spPr>
         <p:txBody>
           <a:bodyPr vert="horz" lIns="91440" tIns="45720" rIns="91440" bIns="45720" rtlCol="0">
-            <a:normAutofit/>
+            <a:normAutofit lnSpcReduction="10000"/>
           </a:bodyPr>
           <a:lstStyle>
             <a:lvl1pPr marL="228600" indent="-228600" algn="l" defTabSz="914400" rtl="0" eaLnBrk="1" latinLnBrk="0" hangingPunct="1">
@@ -7592,13 +7584,19 @@
           <a:p>
             <a:r>
               <a:rPr lang="pt-PT" dirty="0"/>
-              <a:t>Ambiente de Programação: JAVA</a:t>
+              <a:t>Ambiente de Programação em Java.</a:t>
             </a:r>
           </a:p>
           <a:p>
             <a:r>
               <a:rPr lang="pt-PT" dirty="0"/>
-              <a:t>Interfaces gráficas implementada recorrendo à biblioteca Swing.</a:t>
+              <a:t>Estrutura do jogo.</a:t>
+            </a:r>
+          </a:p>
+          <a:p>
+            <a:r>
+              <a:rPr lang="pt-PT" dirty="0"/>
+              <a:t>Interfaces gráfica para representar o tabuleiro de jogo recorrendo à biblioteca Swing.</a:t>
             </a:r>
           </a:p>
         </p:txBody>
